--- a/GitHub규칙.pptx
+++ b/GitHub규칙.pptx
@@ -113,6 +113,11 @@
       </a:defRPr>
     </a:lvl9pPr>
   </p:defaultTextStyle>
+  <p:extLst>
+    <p:ext uri="{EFAFB233-063F-42B5-8137-9DF3F51BA10A}">
+      <p15:sldGuideLst xmlns:p15="http://schemas.microsoft.com/office/powerpoint/2012/main"/>
+    </p:ext>
+  </p:extLst>
 </p:presentation>
 </file>
 
@@ -3694,7 +3699,7 @@
         <p:spPr>
           <a:xfrm>
             <a:off x="3412062" y="4076575"/>
-            <a:ext cx="5358349" cy="1477328"/>
+            <a:ext cx="5358349" cy="1754326"/>
           </a:xfrm>
           <a:prstGeom prst="rect">
             <a:avLst/>
@@ -3718,14 +3723,6 @@
               <a:rPr lang="ko-KR" altLang="en-US" dirty="0"/>
               <a:t>를 메인으로 바꾸고 </a:t>
             </a:r>
-            <a:r>
-              <a:rPr lang="en-US" altLang="ko-KR" dirty="0"/>
-              <a:t>2.Fetch origin </a:t>
-            </a:r>
-            <a:r>
-              <a:rPr lang="ko-KR" altLang="en-US" dirty="0"/>
-              <a:t>클릭</a:t>
-            </a:r>
             <a:endParaRPr lang="en-US" altLang="ko-KR" dirty="0"/>
           </a:p>
           <a:p>
@@ -3733,8 +3730,12 @@
               <a:buAutoNum type="arabicPeriod"/>
             </a:pPr>
             <a:r>
+              <a:rPr lang="en-US" altLang="ko-KR" dirty="0"/>
+              <a:t>Fetch origin </a:t>
+            </a:r>
+            <a:r>
               <a:rPr lang="ko-KR" altLang="en-US" dirty="0"/>
-              <a:t>변경사항 있으면 </a:t>
+              <a:t>클릭 변경사항 있으면 </a:t>
             </a:r>
             <a:r>
               <a:rPr lang="en-US" altLang="ko-KR" dirty="0"/>
@@ -3784,7 +3785,7 @@
                   <a:srgbClr val="FF0000"/>
                 </a:solidFill>
               </a:rPr>
-              <a:t>꼭 </a:t>
+              <a:t>절대로 </a:t>
             </a:r>
             <a:r>
               <a:rPr lang="en-US" altLang="ko-KR" dirty="0">
@@ -4066,6 +4067,7 @@
           </a:bodyPr>
           <a:lstStyle/>
           <a:p>
+            <a:pPr algn="ctr"/>
             <a:r>
               <a:rPr lang="ko-KR" altLang="en-US" dirty="0"/>
               <a:t>보통 </a:t>
@@ -4097,6 +4099,7 @@
             <a:endParaRPr lang="en-US" altLang="ko-KR" dirty="0"/>
           </a:p>
           <a:p>
+            <a:pPr algn="ctr"/>
             <a:r>
               <a:rPr lang="ko-KR" altLang="ko-KR" dirty="0"/>
               <a:t>※</a:t>
@@ -4286,7 +4289,7 @@
         <p:spPr>
           <a:xfrm>
             <a:off x="2541864" y="4689446"/>
-            <a:ext cx="7474591" cy="646331"/>
+            <a:ext cx="7474591" cy="923330"/>
           </a:xfrm>
           <a:prstGeom prst="rect">
             <a:avLst/>
@@ -4299,6 +4302,7 @@
           </a:bodyPr>
           <a:lstStyle/>
           <a:p>
+            <a:pPr algn="ctr"/>
             <a:r>
               <a:rPr lang="ko-KR" altLang="en-US" b="1" dirty="0">
                 <a:solidFill>
@@ -4314,6 +4318,7 @@
             </a:endParaRPr>
           </a:p>
           <a:p>
+            <a:pPr algn="ctr"/>
             <a:r>
               <a:rPr lang="ko-KR" altLang="en-US" dirty="0"/>
               <a:t>본인 개발 폴더에서 작업한 파일 </a:t>
@@ -4332,9 +4337,24 @@
             </a:r>
             <a:r>
               <a:rPr lang="ko-KR" altLang="en-US" dirty="0" err="1"/>
-              <a:t>붙</a:t>
-            </a:r>
-            <a:endParaRPr lang="ko-KR" altLang="en-US" dirty="0"/>
+              <a:t>붙하면</a:t>
+            </a:r>
+            <a:r>
+              <a:rPr lang="ko-KR" altLang="en-US" dirty="0"/>
+              <a:t> </a:t>
+            </a:r>
+            <a:endParaRPr lang="en-US" altLang="ko-KR" dirty="0"/>
+          </a:p>
+          <a:p>
+            <a:pPr algn="ctr"/>
+            <a:r>
+              <a:rPr lang="en-US" altLang="ko-KR" dirty="0"/>
+              <a:t>GitHub Desktop</a:t>
+            </a:r>
+            <a:r>
+              <a:rPr lang="ko-KR" altLang="en-US" dirty="0"/>
+              <a:t>에 자동 업데이트</a:t>
+            </a:r>
           </a:p>
         </p:txBody>
       </p:sp>
